--- a/Briefing & Templates/System Architecture.pptx
+++ b/Briefing & Templates/System Architecture.pptx
@@ -304,7 +304,7 @@
           <a:p>
             <a:fld id="{DF151F56-0505-4184-A585-56FDE6C33F49}" type="datetimeFigureOut">
               <a:rPr lang="en-US" smtClean="0"/>
-              <a:t>10/6/2021</a:t>
+              <a:t>11/12/2021</a:t>
             </a:fld>
             <a:endParaRPr lang="en-US"/>
           </a:p>
@@ -502,7 +502,7 @@
           <a:p>
             <a:fld id="{DF151F56-0505-4184-A585-56FDE6C33F49}" type="datetimeFigureOut">
               <a:rPr lang="en-US" smtClean="0"/>
-              <a:t>10/6/2021</a:t>
+              <a:t>11/12/2021</a:t>
             </a:fld>
             <a:endParaRPr lang="en-US"/>
           </a:p>
@@ -710,7 +710,7 @@
           <a:p>
             <a:fld id="{DF151F56-0505-4184-A585-56FDE6C33F49}" type="datetimeFigureOut">
               <a:rPr lang="en-US" smtClean="0"/>
-              <a:t>10/6/2021</a:t>
+              <a:t>11/12/2021</a:t>
             </a:fld>
             <a:endParaRPr lang="en-US"/>
           </a:p>
@@ -908,7 +908,7 @@
           <a:p>
             <a:fld id="{DF151F56-0505-4184-A585-56FDE6C33F49}" type="datetimeFigureOut">
               <a:rPr lang="en-US" smtClean="0"/>
-              <a:t>10/6/2021</a:t>
+              <a:t>11/12/2021</a:t>
             </a:fld>
             <a:endParaRPr lang="en-US"/>
           </a:p>
@@ -1183,7 +1183,7 @@
           <a:p>
             <a:fld id="{DF151F56-0505-4184-A585-56FDE6C33F49}" type="datetimeFigureOut">
               <a:rPr lang="en-US" smtClean="0"/>
-              <a:t>10/6/2021</a:t>
+              <a:t>11/12/2021</a:t>
             </a:fld>
             <a:endParaRPr lang="en-US"/>
           </a:p>
@@ -1448,7 +1448,7 @@
           <a:p>
             <a:fld id="{DF151F56-0505-4184-A585-56FDE6C33F49}" type="datetimeFigureOut">
               <a:rPr lang="en-US" smtClean="0"/>
-              <a:t>10/6/2021</a:t>
+              <a:t>11/12/2021</a:t>
             </a:fld>
             <a:endParaRPr lang="en-US"/>
           </a:p>
@@ -1860,7 +1860,7 @@
           <a:p>
             <a:fld id="{DF151F56-0505-4184-A585-56FDE6C33F49}" type="datetimeFigureOut">
               <a:rPr lang="en-US" smtClean="0"/>
-              <a:t>10/6/2021</a:t>
+              <a:t>11/12/2021</a:t>
             </a:fld>
             <a:endParaRPr lang="en-US"/>
           </a:p>
@@ -2001,7 +2001,7 @@
           <a:p>
             <a:fld id="{DF151F56-0505-4184-A585-56FDE6C33F49}" type="datetimeFigureOut">
               <a:rPr lang="en-US" smtClean="0"/>
-              <a:t>10/6/2021</a:t>
+              <a:t>11/12/2021</a:t>
             </a:fld>
             <a:endParaRPr lang="en-US"/>
           </a:p>
@@ -2114,7 +2114,7 @@
           <a:p>
             <a:fld id="{DF151F56-0505-4184-A585-56FDE6C33F49}" type="datetimeFigureOut">
               <a:rPr lang="en-US" smtClean="0"/>
-              <a:t>10/6/2021</a:t>
+              <a:t>11/12/2021</a:t>
             </a:fld>
             <a:endParaRPr lang="en-US"/>
           </a:p>
@@ -2425,7 +2425,7 @@
           <a:p>
             <a:fld id="{DF151F56-0505-4184-A585-56FDE6C33F49}" type="datetimeFigureOut">
               <a:rPr lang="en-US" smtClean="0"/>
-              <a:t>10/6/2021</a:t>
+              <a:t>11/12/2021</a:t>
             </a:fld>
             <a:endParaRPr lang="en-US"/>
           </a:p>
@@ -2713,7 +2713,7 @@
           <a:p>
             <a:fld id="{DF151F56-0505-4184-A585-56FDE6C33F49}" type="datetimeFigureOut">
               <a:rPr lang="en-US" smtClean="0"/>
-              <a:t>10/6/2021</a:t>
+              <a:t>11/12/2021</a:t>
             </a:fld>
             <a:endParaRPr lang="en-US"/>
           </a:p>
@@ -2954,7 +2954,7 @@
           <a:p>
             <a:fld id="{DF151F56-0505-4184-A585-56FDE6C33F49}" type="datetimeFigureOut">
               <a:rPr lang="en-US" smtClean="0"/>
-              <a:t>10/6/2021</a:t>
+              <a:t>11/12/2021</a:t>
             </a:fld>
             <a:endParaRPr lang="en-US"/>
           </a:p>
@@ -3593,10 +3593,10 @@
         </p:nvGrpSpPr>
         <p:grpSpPr>
           <a:xfrm>
-            <a:off x="7695431" y="2862242"/>
-            <a:ext cx="1112804" cy="1190882"/>
+            <a:off x="7695431" y="2862243"/>
+            <a:ext cx="1112804" cy="1240472"/>
             <a:chOff x="5199182" y="4231217"/>
-            <a:chExt cx="1172222" cy="1304349"/>
+            <a:chExt cx="1172222" cy="1358664"/>
           </a:xfrm>
         </p:grpSpPr>
         <p:pic>
@@ -3712,8 +3712,8 @@
           </p:nvSpPr>
           <p:spPr>
             <a:xfrm>
-              <a:off x="5298913" y="5176583"/>
-              <a:ext cx="985778" cy="276999"/>
+              <a:off x="5300678" y="5151647"/>
+              <a:ext cx="985778" cy="438234"/>
             </a:xfrm>
             <a:prstGeom prst="rect">
               <a:avLst/>
@@ -3728,8 +3728,8 @@
             <a:p>
               <a:pPr algn="ctr"/>
               <a:r>
-                <a:rPr lang="en-US" sz="1200" dirty="0"/>
-                <a:t>Model</a:t>
+                <a:rPr lang="en-US" sz="1000" dirty="0"/>
+                <a:t>KNN, SVM and CNN Models</a:t>
               </a:r>
             </a:p>
           </p:txBody>
@@ -4411,15 +4411,15 @@
             </a:extLst>
           </p:cNvPr>
           <p:cNvCxnSpPr>
+            <a:cxnSpLocks/>
             <a:stCxn id="11" idx="3"/>
-            <a:endCxn id="83" idx="1"/>
           </p:cNvCxnSpPr>
           <p:nvPr/>
         </p:nvCxnSpPr>
         <p:spPr>
           <a:xfrm>
             <a:off x="2497963" y="3371043"/>
-            <a:ext cx="798113" cy="0"/>
+            <a:ext cx="1038879" cy="6686"/>
           </a:xfrm>
           <a:prstGeom prst="straightConnector1">
             <a:avLst/>
@@ -4555,7 +4555,7 @@
               <a:pPr algn="ctr"/>
               <a:r>
                 <a:rPr lang="en-US" sz="1600" dirty="0"/>
-                <a:t>Recognition System</a:t>
+                <a:t>Intelligent Sensing System</a:t>
               </a:r>
             </a:p>
           </p:txBody>
@@ -5354,12 +5354,9 @@
                 <a:pPr algn="ctr"/>
                 <a:r>
                   <a:rPr lang="en-US" altLang="zh-CN" sz="1200" dirty="0"/>
-                  <a:t>Image </a:t>
+                  <a:t>Image Processing</a:t>
                 </a:r>
-                <a:r>
-                  <a:rPr lang="en-US" sz="1200" dirty="0"/>
-                  <a:t>Dataset</a:t>
-                </a:r>
+                <a:endParaRPr lang="en-US" sz="1200" dirty="0"/>
               </a:p>
             </p:txBody>
           </p:sp>
@@ -5426,10 +5423,10 @@
         </p:nvGrpSpPr>
         <p:grpSpPr>
           <a:xfrm>
-            <a:off x="10317278" y="1088251"/>
-            <a:ext cx="1070250" cy="1330200"/>
-            <a:chOff x="10255771" y="1884400"/>
-            <a:chExt cx="1172222" cy="1330200"/>
+            <a:off x="10316827" y="1088251"/>
+            <a:ext cx="1070695" cy="1349082"/>
+            <a:chOff x="10255283" y="1884400"/>
+            <a:chExt cx="1172710" cy="1349082"/>
           </a:xfrm>
         </p:grpSpPr>
         <p:pic>
@@ -5545,8 +5542,8 @@
           </p:nvSpPr>
           <p:spPr>
             <a:xfrm>
-              <a:off x="10348992" y="2752935"/>
-              <a:ext cx="985778" cy="461665"/>
+              <a:off x="10255283" y="2725651"/>
+              <a:ext cx="1172222" cy="507831"/>
             </a:xfrm>
             <a:prstGeom prst="rect">
               <a:avLst/>
@@ -5561,11 +5558,11 @@
             <a:p>
               <a:pPr algn="ctr"/>
               <a:r>
-                <a:rPr lang="en-US" altLang="zh-CN" sz="1200" dirty="0"/>
-                <a:t>Image </a:t>
+                <a:rPr lang="en-US" altLang="zh-CN" sz="900" dirty="0"/>
+                <a:t>Training and Validation Image </a:t>
               </a:r>
               <a:r>
-                <a:rPr lang="en-US" sz="1200" dirty="0"/>
+                <a:rPr lang="en-US" sz="900" dirty="0"/>
                 <a:t>Dataset</a:t>
               </a:r>
             </a:p>
@@ -5600,7 +5597,220 @@
             <a:solidFill>
               <a:schemeClr val="tx1"/>
             </a:solidFill>
-            <a:headEnd type="triangle"/>
+            <a:headEnd type="none"/>
+            <a:tailEnd type="triangle"/>
+          </a:ln>
+        </p:spPr>
+        <p:style>
+          <a:lnRef idx="1">
+            <a:schemeClr val="accent1"/>
+          </a:lnRef>
+          <a:fillRef idx="0">
+            <a:schemeClr val="accent1"/>
+          </a:fillRef>
+          <a:effectRef idx="0">
+            <a:schemeClr val="accent1"/>
+          </a:effectRef>
+          <a:fontRef idx="minor">
+            <a:schemeClr val="tx1"/>
+          </a:fontRef>
+        </p:style>
+      </p:cxnSp>
+      <p:grpSp>
+        <p:nvGrpSpPr>
+          <p:cNvPr id="8" name="组合 7">
+            <a:extLst>
+              <a:ext uri="{FF2B5EF4-FFF2-40B4-BE49-F238E27FC236}">
+                <a16:creationId xmlns:a16="http://schemas.microsoft.com/office/drawing/2014/main" id="{0B5D2107-9CA7-45DF-BDF8-67223B825AA0}"/>
+              </a:ext>
+            </a:extLst>
+          </p:cNvPr>
+          <p:cNvGrpSpPr/>
+          <p:nvPr/>
+        </p:nvGrpSpPr>
+        <p:grpSpPr>
+          <a:xfrm>
+            <a:off x="3524849" y="4722691"/>
+            <a:ext cx="1045029" cy="1172224"/>
+            <a:chOff x="3525977" y="4126158"/>
+            <a:chExt cx="1045029" cy="1172224"/>
+          </a:xfrm>
+        </p:grpSpPr>
+        <p:pic>
+          <p:nvPicPr>
+            <p:cNvPr id="7" name="Picture 2" descr="Telegram Review | PCMag">
+              <a:extLst>
+                <a:ext uri="{FF2B5EF4-FFF2-40B4-BE49-F238E27FC236}">
+                  <a16:creationId xmlns:a16="http://schemas.microsoft.com/office/drawing/2014/main" id="{D7C7D59F-845F-46F1-80E1-EB761E28475C}"/>
+                </a:ext>
+              </a:extLst>
+            </p:cNvPr>
+            <p:cNvPicPr>
+              <a:picLocks noChangeAspect="1" noChangeArrowheads="1"/>
+            </p:cNvPicPr>
+            <p:nvPr/>
+          </p:nvPicPr>
+          <p:blipFill rotWithShape="1">
+            <a:blip r:embed="rId12">
+              <a:extLst>
+                <a:ext uri="{28A0092B-C50C-407E-A947-70E740481C1C}">
+                  <a14:useLocalDpi xmlns:a14="http://schemas.microsoft.com/office/drawing/2010/main" val="0"/>
+                </a:ext>
+              </a:extLst>
+            </a:blip>
+            <a:srcRect l="24091" r="24628"/>
+            <a:stretch/>
+          </p:blipFill>
+          <p:spPr bwMode="auto">
+            <a:xfrm>
+              <a:off x="3638234" y="4260215"/>
+              <a:ext cx="843615" cy="924951"/>
+            </a:xfrm>
+            <a:prstGeom prst="rect">
+              <a:avLst/>
+            </a:prstGeom>
+            <a:noFill/>
+            <a:extLst>
+              <a:ext uri="{909E8E84-426E-40DD-AFC4-6F175D3DCCD1}">
+                <a14:hiddenFill xmlns:a14="http://schemas.microsoft.com/office/drawing/2010/main">
+                  <a:solidFill>
+                    <a:srgbClr val="FFFFFF"/>
+                  </a:solidFill>
+                </a14:hiddenFill>
+              </a:ext>
+            </a:extLst>
+          </p:spPr>
+        </p:pic>
+        <p:sp>
+          <p:nvSpPr>
+            <p:cNvPr id="62" name="Rectangle: Rounded Corners 3">
+              <a:extLst>
+                <a:ext uri="{FF2B5EF4-FFF2-40B4-BE49-F238E27FC236}">
+                  <a16:creationId xmlns:a16="http://schemas.microsoft.com/office/drawing/2014/main" id="{6C788042-2D6E-40B8-AE47-03ECFA33B5D6}"/>
+                </a:ext>
+              </a:extLst>
+            </p:cNvPr>
+            <p:cNvSpPr/>
+            <p:nvPr/>
+          </p:nvSpPr>
+          <p:spPr>
+            <a:xfrm>
+              <a:off x="3525977" y="4126158"/>
+              <a:ext cx="1045029" cy="1172224"/>
+            </a:xfrm>
+            <a:prstGeom prst="roundRect">
+              <a:avLst/>
+            </a:prstGeom>
+            <a:noFill/>
+            <a:ln>
+              <a:solidFill>
+                <a:schemeClr val="tx1"/>
+              </a:solidFill>
+            </a:ln>
+          </p:spPr>
+          <p:style>
+            <a:lnRef idx="2">
+              <a:schemeClr val="accent1">
+                <a:shade val="50000"/>
+              </a:schemeClr>
+            </a:lnRef>
+            <a:fillRef idx="1">
+              <a:schemeClr val="accent1"/>
+            </a:fillRef>
+            <a:effectRef idx="0">
+              <a:schemeClr val="accent1"/>
+            </a:effectRef>
+            <a:fontRef idx="minor">
+              <a:schemeClr val="lt1"/>
+            </a:fontRef>
+          </p:style>
+          <p:txBody>
+            <a:bodyPr rtlCol="0" anchor="ctr"/>
+            <a:lstStyle/>
+            <a:p>
+              <a:pPr algn="ctr"/>
+              <a:endParaRPr lang="en-US" sz="900" dirty="0"/>
+            </a:p>
+          </p:txBody>
+        </p:sp>
+      </p:grpSp>
+      <p:cxnSp>
+        <p:nvCxnSpPr>
+          <p:cNvPr id="67" name="Straight Arrow Connector 75">
+            <a:extLst>
+              <a:ext uri="{FF2B5EF4-FFF2-40B4-BE49-F238E27FC236}">
+                <a16:creationId xmlns:a16="http://schemas.microsoft.com/office/drawing/2014/main" id="{9AB3E301-BC5A-4AF0-A4FF-B7588AAD7C1B}"/>
+              </a:ext>
+            </a:extLst>
+          </p:cNvPr>
+          <p:cNvCxnSpPr>
+            <a:cxnSpLocks/>
+            <a:stCxn id="4" idx="2"/>
+            <a:endCxn id="62" idx="0"/>
+          </p:cNvCxnSpPr>
+          <p:nvPr/>
+        </p:nvCxnSpPr>
+        <p:spPr>
+          <a:xfrm flipH="1">
+            <a:off x="4047364" y="3920245"/>
+            <a:ext cx="1128" cy="802446"/>
+          </a:xfrm>
+          <a:prstGeom prst="straightConnector1">
+            <a:avLst/>
+          </a:prstGeom>
+          <a:ln>
+            <a:solidFill>
+              <a:schemeClr val="tx1"/>
+            </a:solidFill>
+            <a:headEnd type="none"/>
+            <a:tailEnd type="triangle"/>
+          </a:ln>
+        </p:spPr>
+        <p:style>
+          <a:lnRef idx="1">
+            <a:schemeClr val="accent1"/>
+          </a:lnRef>
+          <a:fillRef idx="0">
+            <a:schemeClr val="accent1"/>
+          </a:fillRef>
+          <a:effectRef idx="0">
+            <a:schemeClr val="accent1"/>
+          </a:effectRef>
+          <a:fontRef idx="minor">
+            <a:schemeClr val="tx1"/>
+          </a:fontRef>
+        </p:style>
+      </p:cxnSp>
+      <p:cxnSp>
+        <p:nvCxnSpPr>
+          <p:cNvPr id="70" name="Connector: Elbow 41">
+            <a:extLst>
+              <a:ext uri="{FF2B5EF4-FFF2-40B4-BE49-F238E27FC236}">
+                <a16:creationId xmlns:a16="http://schemas.microsoft.com/office/drawing/2014/main" id="{6E4DB3D1-8A1D-4845-A891-84CA7FEEAD65}"/>
+              </a:ext>
+            </a:extLst>
+          </p:cNvPr>
+          <p:cNvCxnSpPr>
+            <a:cxnSpLocks/>
+            <a:stCxn id="62" idx="1"/>
+            <a:endCxn id="11" idx="3"/>
+          </p:cNvCxnSpPr>
+          <p:nvPr/>
+        </p:nvCxnSpPr>
+        <p:spPr>
+          <a:xfrm rot="10800000">
+            <a:off x="2497963" y="3371043"/>
+            <a:ext cx="1026886" cy="1937760"/>
+          </a:xfrm>
+          <a:prstGeom prst="bentConnector3">
+            <a:avLst>
+              <a:gd name="adj1" fmla="val 75083"/>
+            </a:avLst>
+          </a:prstGeom>
+          <a:ln>
+            <a:solidFill>
+              <a:schemeClr val="tx1"/>
+            </a:solidFill>
             <a:tailEnd type="triangle"/>
           </a:ln>
         </p:spPr>
@@ -5928,9 +6138,12 @@
 </file>
 
 <file path=customXml/item1.xml><?xml version="1.0" encoding="utf-8"?>
-<p:properties xmlns:p="http://schemas.microsoft.com/office/2006/metadata/properties" xmlns:xsi="http://www.w3.org/2001/XMLSchema-instance" xmlns:pc="http://schemas.microsoft.com/office/infopath/2007/PartnerControls">
-  <documentManagement/>
-</p:properties>
+<?mso-contentType ?>
+<FormTemplates xmlns="http://schemas.microsoft.com/sharepoint/v3/contenttype/forms">
+  <Display>DocumentLibraryForm</Display>
+  <Edit>DocumentLibraryForm</Edit>
+  <New>DocumentLibraryForm</New>
+</FormTemplates>
 </file>
 
 <file path=customXml/item2.xml><?xml version="1.0" encoding="utf-8"?>
@@ -6157,27 +6370,15 @@
 </file>
 
 <file path=customXml/item3.xml><?xml version="1.0" encoding="utf-8"?>
-<?mso-contentType ?>
-<FormTemplates xmlns="http://schemas.microsoft.com/sharepoint/v3/contenttype/forms">
-  <Display>DocumentLibraryForm</Display>
-  <Edit>DocumentLibraryForm</Edit>
-  <New>DocumentLibraryForm</New>
-</FormTemplates>
+<p:properties xmlns:p="http://schemas.microsoft.com/office/2006/metadata/properties" xmlns:xsi="http://www.w3.org/2001/XMLSchema-instance" xmlns:pc="http://schemas.microsoft.com/office/infopath/2007/PartnerControls">
+  <documentManagement/>
+</p:properties>
 </file>
 
 <file path=customXml/itemProps1.xml><?xml version="1.0" encoding="utf-8"?>
-<ds:datastoreItem xmlns:ds="http://schemas.openxmlformats.org/officeDocument/2006/customXml" ds:itemID="{E4D27E83-4AE8-4015-8BCD-B5CC0961CD10}">
+<ds:datastoreItem xmlns:ds="http://schemas.openxmlformats.org/officeDocument/2006/customXml" ds:itemID="{2C24A115-7A96-494A-855A-E669FBC53EA2}">
   <ds:schemaRefs>
-    <ds:schemaRef ds:uri="http://schemas.microsoft.com/office/2006/metadata/properties"/>
-    <ds:schemaRef ds:uri="http://schemas.microsoft.com/office/2006/documentManagement/types"/>
-    <ds:schemaRef ds:uri="fa25a15f-3d78-41f8-9690-27628c57a535"/>
-    <ds:schemaRef ds:uri="http://schemas.microsoft.com/office/infopath/2007/PartnerControls"/>
-    <ds:schemaRef ds:uri="http://purl.org/dc/terms/"/>
-    <ds:schemaRef ds:uri="http://purl.org/dc/elements/1.1/"/>
-    <ds:schemaRef ds:uri="http://schemas.openxmlformats.org/package/2006/metadata/core-properties"/>
-    <ds:schemaRef ds:uri="b0229d33-38e9-441c-bb66-e5b9a21f1bff"/>
-    <ds:schemaRef ds:uri="http://www.w3.org/XML/1998/namespace"/>
-    <ds:schemaRef ds:uri="http://purl.org/dc/dcmitype/"/>
+    <ds:schemaRef ds:uri="http://schemas.microsoft.com/sharepoint/v3/contenttype/forms"/>
   </ds:schemaRefs>
 </ds:datastoreItem>
 </file>
@@ -6202,9 +6403,18 @@
 </file>
 
 <file path=customXml/itemProps3.xml><?xml version="1.0" encoding="utf-8"?>
-<ds:datastoreItem xmlns:ds="http://schemas.openxmlformats.org/officeDocument/2006/customXml" ds:itemID="{2C24A115-7A96-494A-855A-E669FBC53EA2}">
+<ds:datastoreItem xmlns:ds="http://schemas.openxmlformats.org/officeDocument/2006/customXml" ds:itemID="{E4D27E83-4AE8-4015-8BCD-B5CC0961CD10}">
   <ds:schemaRefs>
-    <ds:schemaRef ds:uri="http://schemas.microsoft.com/sharepoint/v3/contenttype/forms"/>
+    <ds:schemaRef ds:uri="http://schemas.microsoft.com/office/2006/metadata/properties"/>
+    <ds:schemaRef ds:uri="http://schemas.microsoft.com/office/2006/documentManagement/types"/>
+    <ds:schemaRef ds:uri="fa25a15f-3d78-41f8-9690-27628c57a535"/>
+    <ds:schemaRef ds:uri="http://schemas.microsoft.com/office/infopath/2007/PartnerControls"/>
+    <ds:schemaRef ds:uri="http://purl.org/dc/terms/"/>
+    <ds:schemaRef ds:uri="http://purl.org/dc/elements/1.1/"/>
+    <ds:schemaRef ds:uri="http://schemas.openxmlformats.org/package/2006/metadata/core-properties"/>
+    <ds:schemaRef ds:uri="b0229d33-38e9-441c-bb66-e5b9a21f1bff"/>
+    <ds:schemaRef ds:uri="http://www.w3.org/XML/1998/namespace"/>
+    <ds:schemaRef ds:uri="http://purl.org/dc/dcmitype/"/>
   </ds:schemaRefs>
 </ds:datastoreItem>
 </file>